--- a/teaching/cs513-autocps-fall-2020/lecture0-Course-Intro.pptx
+++ b/teaching/cs513-autocps-fall-2020/lecture0-Course-Intro.pptx
@@ -5,7 +5,7 @@
     <p:sldMasterId id="2147483648" r:id="rId1"/>
   </p:sldMasterIdLst>
   <p:notesMasterIdLst>
-    <p:notesMasterId r:id="rId21"/>
+    <p:notesMasterId r:id="rId22"/>
   </p:notesMasterIdLst>
   <p:sldIdLst>
     <p:sldId id="256" r:id="rId2"/>
@@ -21,12 +21,13 @@
     <p:sldId id="266" r:id="rId12"/>
     <p:sldId id="267" r:id="rId13"/>
     <p:sldId id="277" r:id="rId14"/>
-    <p:sldId id="268" r:id="rId15"/>
+    <p:sldId id="278" r:id="rId15"/>
     <p:sldId id="270" r:id="rId16"/>
-    <p:sldId id="269" r:id="rId17"/>
-    <p:sldId id="271" r:id="rId18"/>
-    <p:sldId id="272" r:id="rId19"/>
-    <p:sldId id="273" r:id="rId20"/>
+    <p:sldId id="268" r:id="rId17"/>
+    <p:sldId id="269" r:id="rId18"/>
+    <p:sldId id="271" r:id="rId19"/>
+    <p:sldId id="272" r:id="rId20"/>
+    <p:sldId id="273" r:id="rId21"/>
   </p:sldIdLst>
   <p:sldSz cx="12192000" cy="6858000"/>
   <p:notesSz cx="6858000" cy="9144000"/>
@@ -1007,7 +1008,7 @@
           <p:nvPr userDrawn="1"/>
         </p:nvPicPr>
         <mc:AlternateContent xmlns:mc="http://schemas.openxmlformats.org/markup-compatibility/2006">
-          <mc:Choice xmlns="" xmlns:mv="urn:schemas-microsoft-com:mac:vml" xmlns:ma="http://schemas.microsoft.com/office/mac/drawingml/2008/main" Requires="ma">
+          <mc:Choice xmlns:ma="http://schemas.microsoft.com/office/mac/drawingml/2008/main" xmlns:mv="urn:schemas-microsoft-com:mac:vml" xmlns="" Requires="ma">
             <p:blipFill>
               <a:blip r:embed="rId3"/>
               <a:stretch>
@@ -2920,7 +2921,7 @@
           <p:cNvPr id="2" name="Content Placeholder 1">
             <a:extLst>
               <a:ext uri="{FF2B5EF4-FFF2-40B4-BE49-F238E27FC236}">
-                <a16:creationId xmlns:a16="http://schemas.microsoft.com/office/drawing/2014/main" id="{2FBF6076-3618-42A4-ACC1-7B123DA203A0}"/>
+                <a16:creationId xmlns:a16="http://schemas.microsoft.com/office/drawing/2014/main" id="{9BF78C7D-01C1-48E9-ADA4-06395A346063}"/>
               </a:ext>
             </a:extLst>
           </p:cNvPr>
@@ -2934,66 +2935,79 @@
         <p:spPr/>
         <p:txBody>
           <a:bodyPr>
-            <a:normAutofit/>
+            <a:normAutofit fontScale="92500" lnSpcReduction="10000"/>
           </a:bodyPr>
           <a:lstStyle/>
           <a:p>
             <a:r>
               <a:rPr lang="en-US" dirty="0"/>
-              <a:t>You have no knowledge of </a:t>
-            </a:r>
-            <a:r>
-              <a:rPr lang="en-US" dirty="0" err="1"/>
-              <a:t>Matlab</a:t>
-            </a:r>
+              <a:t>Project teams of 2 or 3 : unless there is some extreme circumstance, we don’t want solo projects. </a:t>
+            </a:r>
+          </a:p>
+          <a:p>
+            <a:r>
+              <a:rPr lang="en-US" dirty="0"/>
+              <a:t>Team of 3 = More expectation!</a:t>
+            </a:r>
+          </a:p>
+          <a:p>
+            <a:r>
+              <a:rPr lang="en-US" dirty="0"/>
+              <a:t>Use slack for forming teams</a:t>
+            </a:r>
+          </a:p>
+          <a:p>
+            <a:r>
+              <a:rPr lang="en-US" dirty="0"/>
+              <a:t>Identify team members by </a:t>
+            </a:r>
+            <a:r>
+              <a:rPr lang="en-US" b="1" dirty="0">
+                <a:solidFill>
+                  <a:srgbClr val="FF0000"/>
+                </a:solidFill>
+              </a:rPr>
+              <a:t>third week</a:t>
+            </a:r>
+          </a:p>
+          <a:p>
+            <a:r>
+              <a:rPr lang="en-US" dirty="0"/>
+              <a:t>Project Proposal due by early October </a:t>
+            </a:r>
+          </a:p>
+          <a:p>
+            <a:pPr lvl="1"/>
+            <a:r>
+              <a:rPr lang="en-US" dirty="0"/>
+              <a:t>will give more details on proposal format next week</a:t>
+            </a:r>
+          </a:p>
+          <a:p>
+            <a:r>
+              <a:rPr lang="en-US" dirty="0"/>
+              <a:t>Final Project Deliverable</a:t>
+            </a:r>
+          </a:p>
+          <a:p>
+            <a:pPr lvl="1"/>
+            <a:r>
+              <a:rPr lang="en-US" dirty="0"/>
+              <a:t>Demo + 5-page Report / 15-page Report</a:t>
+            </a:r>
+          </a:p>
+          <a:p>
+            <a:r>
+              <a:rPr lang="en-US" dirty="0"/>
+              <a:t>Final Project Presentation in Finals Week </a:t>
+            </a:r>
+          </a:p>
+          <a:p>
             <a:endParaRPr lang="en-US" dirty="0"/>
           </a:p>
           <a:p>
-            <a:pPr lvl="1"/>
-            <a:r>
-              <a:rPr lang="en-US" dirty="0" err="1"/>
-              <a:t>Matlab</a:t>
-            </a:r>
-            <a:r>
-              <a:rPr lang="en-US" dirty="0"/>
-              <a:t> is easy to learn, with several online resources and tutorials, but it may take you some time if you have never used it!</a:t>
-            </a:r>
-          </a:p>
-          <a:p>
             <a:endParaRPr lang="en-US" dirty="0"/>
           </a:p>
-          <a:p>
-            <a:r>
-              <a:rPr lang="en-US" dirty="0"/>
-              <a:t>You have no knowledge of automata</a:t>
-            </a:r>
-          </a:p>
-          <a:p>
-            <a:pPr lvl="1"/>
-            <a:r>
-              <a:rPr lang="en-US" dirty="0"/>
-              <a:t>Knowledge of finite-state automata will help, but I will go over the basics</a:t>
-            </a:r>
-          </a:p>
-          <a:p>
-            <a:pPr marL="411480" lvl="1" indent="0">
-              <a:buNone/>
-            </a:pPr>
-            <a:endParaRPr lang="en-US" dirty="0"/>
-          </a:p>
-          <a:p>
-            <a:r>
-              <a:rPr lang="en-US" dirty="0"/>
-              <a:t>You do not remember elementary calculus</a:t>
-            </a:r>
-          </a:p>
-          <a:p>
-            <a:pPr lvl="1"/>
-            <a:r>
-              <a:rPr lang="en-US" dirty="0"/>
-              <a:t>Basics of differential equations</a:t>
-            </a:r>
-          </a:p>
         </p:txBody>
       </p:sp>
       <p:sp>
@@ -3001,7 +3015,7 @@
           <p:cNvPr id="3" name="Title 2">
             <a:extLst>
               <a:ext uri="{FF2B5EF4-FFF2-40B4-BE49-F238E27FC236}">
-                <a16:creationId xmlns:a16="http://schemas.microsoft.com/office/drawing/2014/main" id="{8FFD85C1-5334-4591-B088-EF252C801358}"/>
+                <a16:creationId xmlns:a16="http://schemas.microsoft.com/office/drawing/2014/main" id="{6FF8C48E-6796-4133-BE69-FA5D39FB6578}"/>
               </a:ext>
             </a:extLst>
           </p:cNvPr>
@@ -3019,7 +3033,7 @@
           <a:p>
             <a:r>
               <a:rPr lang="en-US" dirty="0"/>
-              <a:t>Learning curve will be sharper if:	</a:t>
+              <a:t>Project Timeline</a:t>
             </a:r>
           </a:p>
         </p:txBody>
@@ -3029,7 +3043,7 @@
           <p:cNvPr id="4" name="Slide Number Placeholder 3">
             <a:extLst>
               <a:ext uri="{FF2B5EF4-FFF2-40B4-BE49-F238E27FC236}">
-                <a16:creationId xmlns:a16="http://schemas.microsoft.com/office/drawing/2014/main" id="{04CBE274-47EE-4B0A-B246-37B713781090}"/>
+                <a16:creationId xmlns:a16="http://schemas.microsoft.com/office/drawing/2014/main" id="{AA2D1731-D9E7-41BC-BBBA-B545182DAC5C}"/>
               </a:ext>
             </a:extLst>
           </p:cNvPr>
@@ -3057,7 +3071,7 @@
     </p:spTree>
     <p:extLst>
       <p:ext uri="{BB962C8B-B14F-4D97-AF65-F5344CB8AC3E}">
-        <p14:creationId xmlns:p14="http://schemas.microsoft.com/office/powerpoint/2010/main" val="401945613"/>
+        <p14:creationId xmlns:p14="http://schemas.microsoft.com/office/powerpoint/2010/main" val="3473795082"/>
       </p:ext>
     </p:extLst>
   </p:cSld>
@@ -3241,6 +3255,175 @@
       </p:grpSpPr>
       <p:sp>
         <p:nvSpPr>
+          <p:cNvPr id="2" name="Content Placeholder 1">
+            <a:extLst>
+              <a:ext uri="{FF2B5EF4-FFF2-40B4-BE49-F238E27FC236}">
+                <a16:creationId xmlns:a16="http://schemas.microsoft.com/office/drawing/2014/main" id="{2FBF6076-3618-42A4-ACC1-7B123DA203A0}"/>
+              </a:ext>
+            </a:extLst>
+          </p:cNvPr>
+          <p:cNvSpPr>
+            <a:spLocks noGrp="1"/>
+          </p:cNvSpPr>
+          <p:nvPr>
+            <p:ph idx="1"/>
+          </p:nvPr>
+        </p:nvSpPr>
+        <p:spPr/>
+        <p:txBody>
+          <a:bodyPr>
+            <a:normAutofit/>
+          </a:bodyPr>
+          <a:lstStyle/>
+          <a:p>
+            <a:r>
+              <a:rPr lang="en-US" dirty="0"/>
+              <a:t>You have no knowledge of </a:t>
+            </a:r>
+            <a:r>
+              <a:rPr lang="en-US" dirty="0" err="1"/>
+              <a:t>Matlab</a:t>
+            </a:r>
+            <a:endParaRPr lang="en-US" dirty="0"/>
+          </a:p>
+          <a:p>
+            <a:pPr lvl="1"/>
+            <a:r>
+              <a:rPr lang="en-US" dirty="0" err="1"/>
+              <a:t>Matlab</a:t>
+            </a:r>
+            <a:r>
+              <a:rPr lang="en-US" dirty="0"/>
+              <a:t> is easy to learn, with several online resources and tutorials, but it may take you some time if you have never used it!</a:t>
+            </a:r>
+          </a:p>
+          <a:p>
+            <a:endParaRPr lang="en-US" dirty="0"/>
+          </a:p>
+          <a:p>
+            <a:r>
+              <a:rPr lang="en-US" dirty="0"/>
+              <a:t>You have no knowledge of automata</a:t>
+            </a:r>
+          </a:p>
+          <a:p>
+            <a:pPr lvl="1"/>
+            <a:r>
+              <a:rPr lang="en-US" dirty="0"/>
+              <a:t>Knowledge of finite-state automata will help, but I will go over the basics</a:t>
+            </a:r>
+          </a:p>
+          <a:p>
+            <a:pPr marL="411480" lvl="1" indent="0">
+              <a:buNone/>
+            </a:pPr>
+            <a:endParaRPr lang="en-US" dirty="0"/>
+          </a:p>
+          <a:p>
+            <a:r>
+              <a:rPr lang="en-US" dirty="0"/>
+              <a:t>You do not remember elementary calculus</a:t>
+            </a:r>
+          </a:p>
+          <a:p>
+            <a:pPr lvl="1"/>
+            <a:r>
+              <a:rPr lang="en-US" dirty="0"/>
+              <a:t>Basics of differential equations</a:t>
+            </a:r>
+          </a:p>
+        </p:txBody>
+      </p:sp>
+      <p:sp>
+        <p:nvSpPr>
+          <p:cNvPr id="3" name="Title 2">
+            <a:extLst>
+              <a:ext uri="{FF2B5EF4-FFF2-40B4-BE49-F238E27FC236}">
+                <a16:creationId xmlns:a16="http://schemas.microsoft.com/office/drawing/2014/main" id="{8FFD85C1-5334-4591-B088-EF252C801358}"/>
+              </a:ext>
+            </a:extLst>
+          </p:cNvPr>
+          <p:cNvSpPr>
+            <a:spLocks noGrp="1"/>
+          </p:cNvSpPr>
+          <p:nvPr>
+            <p:ph type="title"/>
+          </p:nvPr>
+        </p:nvSpPr>
+        <p:spPr/>
+        <p:txBody>
+          <a:bodyPr/>
+          <a:lstStyle/>
+          <a:p>
+            <a:r>
+              <a:rPr lang="en-US" dirty="0"/>
+              <a:t>Learning curve will be sharper if:	</a:t>
+            </a:r>
+          </a:p>
+        </p:txBody>
+      </p:sp>
+      <p:sp>
+        <p:nvSpPr>
+          <p:cNvPr id="4" name="Slide Number Placeholder 3">
+            <a:extLst>
+              <a:ext uri="{FF2B5EF4-FFF2-40B4-BE49-F238E27FC236}">
+                <a16:creationId xmlns:a16="http://schemas.microsoft.com/office/drawing/2014/main" id="{04CBE274-47EE-4B0A-B246-37B713781090}"/>
+              </a:ext>
+            </a:extLst>
+          </p:cNvPr>
+          <p:cNvSpPr>
+            <a:spLocks noGrp="1"/>
+          </p:cNvSpPr>
+          <p:nvPr>
+            <p:ph type="sldNum" sz="quarter" idx="12"/>
+          </p:nvPr>
+        </p:nvSpPr>
+        <p:spPr/>
+        <p:txBody>
+          <a:bodyPr/>
+          <a:lstStyle/>
+          <a:p>
+            <a:fld id="{29AAD378-655A-49C6-813C-9FD132EF7440}" type="slidenum">
+              <a:rPr lang="en-US" smtClean="0"/>
+              <a:pPr/>
+              <a:t>16</a:t>
+            </a:fld>
+            <a:endParaRPr lang="en-US"/>
+          </a:p>
+        </p:txBody>
+      </p:sp>
+    </p:spTree>
+    <p:extLst>
+      <p:ext uri="{BB962C8B-B14F-4D97-AF65-F5344CB8AC3E}">
+        <p14:creationId xmlns:p14="http://schemas.microsoft.com/office/powerpoint/2010/main" val="401945613"/>
+      </p:ext>
+    </p:extLst>
+  </p:cSld>
+  <p:clrMapOvr>
+    <a:masterClrMapping/>
+  </p:clrMapOvr>
+</p:sld>
+</file>
+
+<file path=ppt/slides/slide17.xml><?xml version="1.0" encoding="utf-8"?>
+<p:sld xmlns:a="http://schemas.openxmlformats.org/drawingml/2006/main" xmlns:r="http://schemas.openxmlformats.org/officeDocument/2006/relationships" xmlns:p="http://schemas.openxmlformats.org/presentationml/2006/main">
+  <p:cSld>
+    <p:spTree>
+      <p:nvGrpSpPr>
+        <p:cNvPr id="1" name=""/>
+        <p:cNvGrpSpPr/>
+        <p:nvPr/>
+      </p:nvGrpSpPr>
+      <p:grpSpPr>
+        <a:xfrm>
+          <a:off x="0" y="0"/>
+          <a:ext cx="0" cy="0"/>
+          <a:chOff x="0" y="0"/>
+          <a:chExt cx="0" cy="0"/>
+        </a:xfrm>
+      </p:grpSpPr>
+      <p:sp>
+        <p:nvSpPr>
           <p:cNvPr id="3" name="Title 2">
             <a:extLst>
               <a:ext uri="{FF2B5EF4-FFF2-40B4-BE49-F238E27FC236}">
@@ -3401,7 +3584,7 @@
             <a:fld id="{29AAD378-655A-49C6-813C-9FD132EF7440}" type="slidenum">
               <a:rPr lang="en-US" smtClean="0"/>
               <a:pPr/>
-              <a:t>16</a:t>
+              <a:t>17</a:t>
             </a:fld>
             <a:endParaRPr lang="en-US"/>
           </a:p>
@@ -3450,189 +3633,6 @@
 </p:sld>
 </file>
 
-<file path=ppt/slides/slide17.xml><?xml version="1.0" encoding="utf-8"?>
-<p:sld xmlns:a="http://schemas.openxmlformats.org/drawingml/2006/main" xmlns:r="http://schemas.openxmlformats.org/officeDocument/2006/relationships" xmlns:p="http://schemas.openxmlformats.org/presentationml/2006/main">
-  <p:cSld>
-    <p:spTree>
-      <p:nvGrpSpPr>
-        <p:cNvPr id="1" name=""/>
-        <p:cNvGrpSpPr/>
-        <p:nvPr/>
-      </p:nvGrpSpPr>
-      <p:grpSpPr>
-        <a:xfrm>
-          <a:off x="0" y="0"/>
-          <a:ext cx="0" cy="0"/>
-          <a:chOff x="0" y="0"/>
-          <a:chExt cx="0" cy="0"/>
-        </a:xfrm>
-      </p:grpSpPr>
-      <p:sp>
-        <p:nvSpPr>
-          <p:cNvPr id="2" name="Content Placeholder 1">
-            <a:extLst>
-              <a:ext uri="{FF2B5EF4-FFF2-40B4-BE49-F238E27FC236}">
-                <a16:creationId xmlns:a16="http://schemas.microsoft.com/office/drawing/2014/main" id="{66F0F703-4F80-4676-8850-1AF672C83702}"/>
-              </a:ext>
-            </a:extLst>
-          </p:cNvPr>
-          <p:cNvSpPr>
-            <a:spLocks noGrp="1"/>
-          </p:cNvSpPr>
-          <p:nvPr>
-            <p:ph idx="1"/>
-          </p:nvPr>
-        </p:nvSpPr>
-        <p:spPr/>
-        <p:txBody>
-          <a:bodyPr>
-            <a:normAutofit/>
-          </a:bodyPr>
-          <a:lstStyle/>
-          <a:p>
-            <a:pPr marL="0" indent="0">
-              <a:buNone/>
-            </a:pPr>
-            <a:r>
-              <a:rPr lang="en-US" dirty="0"/>
-              <a:t>Class Timing: 2:00-5:20</a:t>
-            </a:r>
-          </a:p>
-          <a:p>
-            <a:r>
-              <a:rPr lang="en-US" dirty="0"/>
-              <a:t>First 5 mins: recap of last lecture + outline of this lecture + announcements</a:t>
-            </a:r>
-          </a:p>
-          <a:p>
-            <a:r>
-              <a:rPr lang="en-US" dirty="0"/>
-              <a:t>Last 20 mins: optional questions, discussions, etc.</a:t>
-            </a:r>
-          </a:p>
-          <a:p>
-            <a:pPr marL="0" indent="0">
-              <a:buNone/>
-            </a:pPr>
-            <a:endParaRPr lang="en-US" dirty="0"/>
-          </a:p>
-          <a:p>
-            <a:pPr marL="0" indent="0">
-              <a:buNone/>
-            </a:pPr>
-            <a:r>
-              <a:rPr lang="en-US" dirty="0"/>
-              <a:t>Office Hours: </a:t>
-            </a:r>
-            <a:r>
-              <a:rPr lang="en-US" b="1" dirty="0"/>
-              <a:t>Tuesday, 11:00am-12:00pm </a:t>
-            </a:r>
-            <a:r>
-              <a:rPr lang="en-US" dirty="0"/>
-              <a:t>over Zoom (or by appointment)</a:t>
-            </a:r>
-          </a:p>
-          <a:p>
-            <a:pPr marL="0" indent="0">
-              <a:buNone/>
-            </a:pPr>
-            <a:endParaRPr lang="en-US" dirty="0"/>
-          </a:p>
-          <a:p>
-            <a:r>
-              <a:rPr lang="en-US" dirty="0"/>
-              <a:t>TA: Aniruddh Puranic </a:t>
-            </a:r>
-          </a:p>
-          <a:p>
-            <a:pPr lvl="1"/>
-            <a:r>
-              <a:rPr lang="en-US" dirty="0"/>
-              <a:t>Office Hours: </a:t>
-            </a:r>
-            <a:r>
-              <a:rPr lang="en-US" b="1" dirty="0"/>
-              <a:t>Thursday, 11:00am-12:00pm </a:t>
-            </a:r>
-            <a:r>
-              <a:rPr lang="en-US" dirty="0"/>
-              <a:t>over Zoom (or by appointment)</a:t>
-            </a:r>
-          </a:p>
-        </p:txBody>
-      </p:sp>
-      <p:sp>
-        <p:nvSpPr>
-          <p:cNvPr id="3" name="Title 2">
-            <a:extLst>
-              <a:ext uri="{FF2B5EF4-FFF2-40B4-BE49-F238E27FC236}">
-                <a16:creationId xmlns:a16="http://schemas.microsoft.com/office/drawing/2014/main" id="{92029552-9203-45E8-9ED3-5812F2ECDFEA}"/>
-              </a:ext>
-            </a:extLst>
-          </p:cNvPr>
-          <p:cNvSpPr>
-            <a:spLocks noGrp="1"/>
-          </p:cNvSpPr>
-          <p:nvPr>
-            <p:ph type="title"/>
-          </p:nvPr>
-        </p:nvSpPr>
-        <p:spPr/>
-        <p:txBody>
-          <a:bodyPr/>
-          <a:lstStyle/>
-          <a:p>
-            <a:r>
-              <a:rPr lang="en-US" dirty="0"/>
-              <a:t>Office Hours, Class Timings</a:t>
-            </a:r>
-          </a:p>
-        </p:txBody>
-      </p:sp>
-      <p:sp>
-        <p:nvSpPr>
-          <p:cNvPr id="4" name="Slide Number Placeholder 3">
-            <a:extLst>
-              <a:ext uri="{FF2B5EF4-FFF2-40B4-BE49-F238E27FC236}">
-                <a16:creationId xmlns:a16="http://schemas.microsoft.com/office/drawing/2014/main" id="{BE3833B3-5E1C-4B95-84E7-9DAB4279F04D}"/>
-              </a:ext>
-            </a:extLst>
-          </p:cNvPr>
-          <p:cNvSpPr>
-            <a:spLocks noGrp="1"/>
-          </p:cNvSpPr>
-          <p:nvPr>
-            <p:ph type="sldNum" sz="quarter" idx="12"/>
-          </p:nvPr>
-        </p:nvSpPr>
-        <p:spPr/>
-        <p:txBody>
-          <a:bodyPr/>
-          <a:lstStyle/>
-          <a:p>
-            <a:fld id="{29AAD378-655A-49C6-813C-9FD132EF7440}" type="slidenum">
-              <a:rPr lang="en-US" smtClean="0"/>
-              <a:pPr/>
-              <a:t>17</a:t>
-            </a:fld>
-            <a:endParaRPr lang="en-US"/>
-          </a:p>
-        </p:txBody>
-      </p:sp>
-    </p:spTree>
-    <p:extLst>
-      <p:ext uri="{BB962C8B-B14F-4D97-AF65-F5344CB8AC3E}">
-        <p14:creationId xmlns:p14="http://schemas.microsoft.com/office/powerpoint/2010/main" val="1320759507"/>
-      </p:ext>
-    </p:extLst>
-  </p:cSld>
-  <p:clrMapOvr>
-    <a:masterClrMapping/>
-  </p:clrMapOvr>
-</p:sld>
-</file>
-
 <file path=ppt/slides/slide18.xml><?xml version="1.0" encoding="utf-8"?>
 <p:sld xmlns:a="http://schemas.openxmlformats.org/drawingml/2006/main" xmlns:r="http://schemas.openxmlformats.org/officeDocument/2006/relationships" xmlns:p="http://schemas.openxmlformats.org/presentationml/2006/main">
   <p:cSld>
@@ -3652,10 +3652,105 @@
       </p:grpSpPr>
       <p:sp>
         <p:nvSpPr>
+          <p:cNvPr id="2" name="Content Placeholder 1">
+            <a:extLst>
+              <a:ext uri="{FF2B5EF4-FFF2-40B4-BE49-F238E27FC236}">
+                <a16:creationId xmlns:a16="http://schemas.microsoft.com/office/drawing/2014/main" id="{66F0F703-4F80-4676-8850-1AF672C83702}"/>
+              </a:ext>
+            </a:extLst>
+          </p:cNvPr>
+          <p:cNvSpPr>
+            <a:spLocks noGrp="1"/>
+          </p:cNvSpPr>
+          <p:nvPr>
+            <p:ph idx="1"/>
+          </p:nvPr>
+        </p:nvSpPr>
+        <p:spPr/>
+        <p:txBody>
+          <a:bodyPr>
+            <a:normAutofit/>
+          </a:bodyPr>
+          <a:lstStyle/>
+          <a:p>
+            <a:pPr marL="0" indent="0">
+              <a:buNone/>
+            </a:pPr>
+            <a:r>
+              <a:rPr lang="en-US" dirty="0"/>
+              <a:t>Class Timing: 2:00-5:20</a:t>
+            </a:r>
+          </a:p>
+          <a:p>
+            <a:r>
+              <a:rPr lang="en-US" dirty="0"/>
+              <a:t>First 5 mins: recap of last lecture + outline of this lecture + announcements</a:t>
+            </a:r>
+          </a:p>
+          <a:p>
+            <a:r>
+              <a:rPr lang="en-US" dirty="0"/>
+              <a:t>Last 20 mins: optional questions, discussions, etc.</a:t>
+            </a:r>
+          </a:p>
+          <a:p>
+            <a:pPr marL="0" indent="0">
+              <a:buNone/>
+            </a:pPr>
+            <a:endParaRPr lang="en-US" dirty="0"/>
+          </a:p>
+          <a:p>
+            <a:pPr marL="0" indent="0">
+              <a:buNone/>
+            </a:pPr>
+            <a:r>
+              <a:rPr lang="en-US" dirty="0"/>
+              <a:t>Office Hours: </a:t>
+            </a:r>
+            <a:r>
+              <a:rPr lang="en-US" b="1" dirty="0"/>
+              <a:t>Tuesday, 11:00am-12:00pm </a:t>
+            </a:r>
+            <a:r>
+              <a:rPr lang="en-US" dirty="0"/>
+              <a:t>over Zoom (or by appointment)</a:t>
+            </a:r>
+          </a:p>
+          <a:p>
+            <a:pPr marL="0" indent="0">
+              <a:buNone/>
+            </a:pPr>
+            <a:endParaRPr lang="en-US" dirty="0"/>
+          </a:p>
+          <a:p>
+            <a:r>
+              <a:rPr lang="en-US" dirty="0"/>
+              <a:t>TA: Aniruddh Puranic </a:t>
+            </a:r>
+          </a:p>
+          <a:p>
+            <a:pPr lvl="1"/>
+            <a:r>
+              <a:rPr lang="en-US" dirty="0"/>
+              <a:t>Office Hours: </a:t>
+            </a:r>
+            <a:r>
+              <a:rPr lang="en-US" b="1" dirty="0"/>
+              <a:t>Thursday, 11:00am-12:00pm </a:t>
+            </a:r>
+            <a:r>
+              <a:rPr lang="en-US" dirty="0"/>
+              <a:t>over Zoom (or by appointment)</a:t>
+            </a:r>
+          </a:p>
+        </p:txBody>
+      </p:sp>
+      <p:sp>
+        <p:nvSpPr>
           <p:cNvPr id="3" name="Title 2">
             <a:extLst>
               <a:ext uri="{FF2B5EF4-FFF2-40B4-BE49-F238E27FC236}">
-                <a16:creationId xmlns:a16="http://schemas.microsoft.com/office/drawing/2014/main" id="{770E9C3A-B37F-4ADF-899B-AC2EA49325FB}"/>
+                <a16:creationId xmlns:a16="http://schemas.microsoft.com/office/drawing/2014/main" id="{92029552-9203-45E8-9ED3-5812F2ECDFEA}"/>
               </a:ext>
             </a:extLst>
           </p:cNvPr>
@@ -3673,70 +3768,17 @@
           <a:p>
             <a:r>
               <a:rPr lang="en-US" dirty="0"/>
-              <a:t>Introductions …</a:t>
-            </a:r>
-          </a:p>
-        </p:txBody>
-      </p:sp>
-      <p:sp>
-        <p:nvSpPr>
-          <p:cNvPr id="5" name="Content Placeholder 4">
-            <a:extLst>
-              <a:ext uri="{FF2B5EF4-FFF2-40B4-BE49-F238E27FC236}">
-                <a16:creationId xmlns:a16="http://schemas.microsoft.com/office/drawing/2014/main" id="{203829F2-4AFB-47B6-B6B5-A71A8D74CBA2}"/>
-              </a:ext>
-            </a:extLst>
-          </p:cNvPr>
-          <p:cNvSpPr>
-            <a:spLocks noGrp="1"/>
-          </p:cNvSpPr>
-          <p:nvPr>
-            <p:ph idx="1"/>
-          </p:nvPr>
-        </p:nvSpPr>
-        <p:spPr>
-          <a:xfrm>
-            <a:off x="166681" y="2374900"/>
-            <a:ext cx="11699087" cy="1989632"/>
-          </a:xfrm>
-        </p:spPr>
-        <p:txBody>
-          <a:bodyPr>
-            <a:normAutofit lnSpcReduction="10000"/>
-          </a:bodyPr>
-          <a:lstStyle/>
-          <a:p>
-            <a:r>
-              <a:rPr lang="en-US" dirty="0"/>
-              <a:t>Name</a:t>
-            </a:r>
-          </a:p>
-          <a:p>
-            <a:r>
-              <a:rPr lang="en-US" dirty="0"/>
-              <a:t>What’s your background?</a:t>
-            </a:r>
-          </a:p>
-          <a:p>
-            <a:r>
-              <a:rPr lang="en-US" dirty="0"/>
-              <a:t>Why did you feel like taking this course?</a:t>
-            </a:r>
-          </a:p>
-          <a:p>
-            <a:r>
-              <a:rPr lang="en-US" dirty="0"/>
-              <a:t>One fun fact about you</a:t>
-            </a:r>
-          </a:p>
-        </p:txBody>
-      </p:sp>
-      <p:sp>
-        <p:nvSpPr>
-          <p:cNvPr id="2" name="Slide Number Placeholder 1">
-            <a:extLst>
-              <a:ext uri="{FF2B5EF4-FFF2-40B4-BE49-F238E27FC236}">
-                <a16:creationId xmlns:a16="http://schemas.microsoft.com/office/drawing/2014/main" id="{0331EB4F-0E12-4FCE-BEB7-8B8D48658EF4}"/>
+              <a:t>Office Hours, Class Timings</a:t>
+            </a:r>
+          </a:p>
+        </p:txBody>
+      </p:sp>
+      <p:sp>
+        <p:nvSpPr>
+          <p:cNvPr id="4" name="Slide Number Placeholder 3">
+            <a:extLst>
+              <a:ext uri="{FF2B5EF4-FFF2-40B4-BE49-F238E27FC236}">
+                <a16:creationId xmlns:a16="http://schemas.microsoft.com/office/drawing/2014/main" id="{BE3833B3-5E1C-4B95-84E7-9DAB4279F04D}"/>
               </a:ext>
             </a:extLst>
           </p:cNvPr>
@@ -3764,7 +3806,7 @@
     </p:spTree>
     <p:extLst>
       <p:ext uri="{BB962C8B-B14F-4D97-AF65-F5344CB8AC3E}">
-        <p14:creationId xmlns:p14="http://schemas.microsoft.com/office/powerpoint/2010/main" val="3387314526"/>
+        <p14:creationId xmlns:p14="http://schemas.microsoft.com/office/powerpoint/2010/main" val="1320759507"/>
       </p:ext>
     </p:extLst>
   </p:cSld>
@@ -3793,10 +3835,38 @@
       </p:grpSpPr>
       <p:sp>
         <p:nvSpPr>
-          <p:cNvPr id="2" name="Content Placeholder 1">
-            <a:extLst>
-              <a:ext uri="{FF2B5EF4-FFF2-40B4-BE49-F238E27FC236}">
-                <a16:creationId xmlns:a16="http://schemas.microsoft.com/office/drawing/2014/main" id="{9954D691-68EF-47DE-8BEC-E55529033932}"/>
+          <p:cNvPr id="3" name="Title 2">
+            <a:extLst>
+              <a:ext uri="{FF2B5EF4-FFF2-40B4-BE49-F238E27FC236}">
+                <a16:creationId xmlns:a16="http://schemas.microsoft.com/office/drawing/2014/main" id="{770E9C3A-B37F-4ADF-899B-AC2EA49325FB}"/>
+              </a:ext>
+            </a:extLst>
+          </p:cNvPr>
+          <p:cNvSpPr>
+            <a:spLocks noGrp="1"/>
+          </p:cNvSpPr>
+          <p:nvPr>
+            <p:ph type="title"/>
+          </p:nvPr>
+        </p:nvSpPr>
+        <p:spPr/>
+        <p:txBody>
+          <a:bodyPr/>
+          <a:lstStyle/>
+          <a:p>
+            <a:r>
+              <a:rPr lang="en-US" dirty="0"/>
+              <a:t>Introductions …</a:t>
+            </a:r>
+          </a:p>
+        </p:txBody>
+      </p:sp>
+      <p:sp>
+        <p:nvSpPr>
+          <p:cNvPr id="5" name="Content Placeholder 4">
+            <a:extLst>
+              <a:ext uri="{FF2B5EF4-FFF2-40B4-BE49-F238E27FC236}">
+                <a16:creationId xmlns:a16="http://schemas.microsoft.com/office/drawing/2014/main" id="{203829F2-4AFB-47B6-B6B5-A71A8D74CBA2}"/>
               </a:ext>
             </a:extLst>
           </p:cNvPr>
@@ -3809,43 +3879,47 @@
         </p:nvSpPr>
         <p:spPr>
           <a:xfrm>
-            <a:off x="1682804" y="1275548"/>
-            <a:ext cx="4479792" cy="3471039"/>
+            <a:off x="166681" y="2374900"/>
+            <a:ext cx="11699087" cy="1989632"/>
           </a:xfrm>
         </p:spPr>
         <p:txBody>
-          <a:bodyPr/>
-          <a:lstStyle/>
-          <a:p>
-            <a:pPr marL="0" indent="0">
-              <a:buNone/>
-            </a:pPr>
-            <a:endParaRPr lang="en-US" dirty="0"/>
-          </a:p>
-          <a:p>
-            <a:pPr marL="0" indent="0">
-              <a:buNone/>
-            </a:pPr>
-            <a:endParaRPr lang="en-US" dirty="0"/>
-          </a:p>
-          <a:p>
-            <a:pPr marL="0" indent="0">
-              <a:buNone/>
-            </a:pPr>
-            <a:r>
-              <a:rPr lang="en-US" sz="4800" b="1" dirty="0"/>
-              <a:t>Questions?</a:t>
-            </a:r>
-            <a:endParaRPr lang="en-US" b="1" dirty="0"/>
-          </a:p>
-        </p:txBody>
-      </p:sp>
-      <p:sp>
-        <p:nvSpPr>
-          <p:cNvPr id="3" name="Slide Number Placeholder 2">
-            <a:extLst>
-              <a:ext uri="{FF2B5EF4-FFF2-40B4-BE49-F238E27FC236}">
-                <a16:creationId xmlns:a16="http://schemas.microsoft.com/office/drawing/2014/main" id="{CA586977-9EA2-4A98-A422-CB555DDD885B}"/>
+          <a:bodyPr>
+            <a:normAutofit lnSpcReduction="10000"/>
+          </a:bodyPr>
+          <a:lstStyle/>
+          <a:p>
+            <a:r>
+              <a:rPr lang="en-US" dirty="0"/>
+              <a:t>Name</a:t>
+            </a:r>
+          </a:p>
+          <a:p>
+            <a:r>
+              <a:rPr lang="en-US" dirty="0"/>
+              <a:t>What’s your background?</a:t>
+            </a:r>
+          </a:p>
+          <a:p>
+            <a:r>
+              <a:rPr lang="en-US" dirty="0"/>
+              <a:t>Why did you feel like taking this course?</a:t>
+            </a:r>
+          </a:p>
+          <a:p>
+            <a:r>
+              <a:rPr lang="en-US" dirty="0"/>
+              <a:t>One fun fact about you</a:t>
+            </a:r>
+          </a:p>
+        </p:txBody>
+      </p:sp>
+      <p:sp>
+        <p:nvSpPr>
+          <p:cNvPr id="2" name="Slide Number Placeholder 1">
+            <a:extLst>
+              <a:ext uri="{FF2B5EF4-FFF2-40B4-BE49-F238E27FC236}">
+                <a16:creationId xmlns:a16="http://schemas.microsoft.com/office/drawing/2014/main" id="{0331EB4F-0E12-4FCE-BEB7-8B8D48658EF4}"/>
               </a:ext>
             </a:extLst>
           </p:cNvPr>
@@ -3873,7 +3947,7 @@
     </p:spTree>
     <p:extLst>
       <p:ext uri="{BB962C8B-B14F-4D97-AF65-F5344CB8AC3E}">
-        <p14:creationId xmlns:p14="http://schemas.microsoft.com/office/powerpoint/2010/main" val="2535175356"/>
+        <p14:creationId xmlns:p14="http://schemas.microsoft.com/office/powerpoint/2010/main" val="3387314526"/>
       </p:ext>
     </p:extLst>
   </p:cSld>
@@ -4041,6 +4115,115 @@
     <p:extLst>
       <p:ext uri="{BB962C8B-B14F-4D97-AF65-F5344CB8AC3E}">
         <p14:creationId xmlns:p14="http://schemas.microsoft.com/office/powerpoint/2010/main" val="961498082"/>
+      </p:ext>
+    </p:extLst>
+  </p:cSld>
+  <p:clrMapOvr>
+    <a:masterClrMapping/>
+  </p:clrMapOvr>
+</p:sld>
+</file>
+
+<file path=ppt/slides/slide20.xml><?xml version="1.0" encoding="utf-8"?>
+<p:sld xmlns:a="http://schemas.openxmlformats.org/drawingml/2006/main" xmlns:r="http://schemas.openxmlformats.org/officeDocument/2006/relationships" xmlns:p="http://schemas.openxmlformats.org/presentationml/2006/main">
+  <p:cSld>
+    <p:spTree>
+      <p:nvGrpSpPr>
+        <p:cNvPr id="1" name=""/>
+        <p:cNvGrpSpPr/>
+        <p:nvPr/>
+      </p:nvGrpSpPr>
+      <p:grpSpPr>
+        <a:xfrm>
+          <a:off x="0" y="0"/>
+          <a:ext cx="0" cy="0"/>
+          <a:chOff x="0" y="0"/>
+          <a:chExt cx="0" cy="0"/>
+        </a:xfrm>
+      </p:grpSpPr>
+      <p:sp>
+        <p:nvSpPr>
+          <p:cNvPr id="2" name="Content Placeholder 1">
+            <a:extLst>
+              <a:ext uri="{FF2B5EF4-FFF2-40B4-BE49-F238E27FC236}">
+                <a16:creationId xmlns:a16="http://schemas.microsoft.com/office/drawing/2014/main" id="{9954D691-68EF-47DE-8BEC-E55529033932}"/>
+              </a:ext>
+            </a:extLst>
+          </p:cNvPr>
+          <p:cNvSpPr>
+            <a:spLocks noGrp="1"/>
+          </p:cNvSpPr>
+          <p:nvPr>
+            <p:ph idx="1"/>
+          </p:nvPr>
+        </p:nvSpPr>
+        <p:spPr>
+          <a:xfrm>
+            <a:off x="1682804" y="1275548"/>
+            <a:ext cx="4479792" cy="3471039"/>
+          </a:xfrm>
+        </p:spPr>
+        <p:txBody>
+          <a:bodyPr/>
+          <a:lstStyle/>
+          <a:p>
+            <a:pPr marL="0" indent="0">
+              <a:buNone/>
+            </a:pPr>
+            <a:endParaRPr lang="en-US" dirty="0"/>
+          </a:p>
+          <a:p>
+            <a:pPr marL="0" indent="0">
+              <a:buNone/>
+            </a:pPr>
+            <a:endParaRPr lang="en-US" dirty="0"/>
+          </a:p>
+          <a:p>
+            <a:pPr marL="0" indent="0">
+              <a:buNone/>
+            </a:pPr>
+            <a:r>
+              <a:rPr lang="en-US" sz="4800" b="1" dirty="0"/>
+              <a:t>Questions?</a:t>
+            </a:r>
+            <a:endParaRPr lang="en-US" b="1" dirty="0"/>
+          </a:p>
+        </p:txBody>
+      </p:sp>
+      <p:sp>
+        <p:nvSpPr>
+          <p:cNvPr id="3" name="Slide Number Placeholder 2">
+            <a:extLst>
+              <a:ext uri="{FF2B5EF4-FFF2-40B4-BE49-F238E27FC236}">
+                <a16:creationId xmlns:a16="http://schemas.microsoft.com/office/drawing/2014/main" id="{CA586977-9EA2-4A98-A422-CB555DDD885B}"/>
+              </a:ext>
+            </a:extLst>
+          </p:cNvPr>
+          <p:cNvSpPr>
+            <a:spLocks noGrp="1"/>
+          </p:cNvSpPr>
+          <p:nvPr>
+            <p:ph type="sldNum" sz="quarter" idx="12"/>
+          </p:nvPr>
+        </p:nvSpPr>
+        <p:spPr/>
+        <p:txBody>
+          <a:bodyPr/>
+          <a:lstStyle/>
+          <a:p>
+            <a:fld id="{29AAD378-655A-49C6-813C-9FD132EF7440}" type="slidenum">
+              <a:rPr lang="en-US" smtClean="0"/>
+              <a:pPr/>
+              <a:t>20</a:t>
+            </a:fld>
+            <a:endParaRPr lang="en-US"/>
+          </a:p>
+        </p:txBody>
+      </p:sp>
+    </p:spTree>
+    <p:extLst>
+      <p:ext uri="{BB962C8B-B14F-4D97-AF65-F5344CB8AC3E}">
+        <p14:creationId xmlns:p14="http://schemas.microsoft.com/office/powerpoint/2010/main" val="2535175356"/>
       </p:ext>
     </p:extLst>
   </p:cSld>
